--- a/ch5/第五章 part2.pptx
+++ b/ch5/第五章 part2.pptx
@@ -4,6 +4,9 @@
   <p:sldMasterIdLst>
     <p:sldMasterId id="2147483648" r:id="rId1"/>
   </p:sldMasterIdLst>
+  <p:notesMasterIdLst>
+    <p:notesMasterId r:id="rId44"/>
+  </p:notesMasterIdLst>
   <p:sldIdLst>
     <p:sldId id="257" r:id="rId2"/>
     <p:sldId id="258" r:id="rId3"/>
@@ -46,6 +49,7 @@
     <p:sldId id="291" r:id="rId40"/>
     <p:sldId id="292" r:id="rId41"/>
     <p:sldId id="294" r:id="rId42"/>
+    <p:sldId id="336" r:id="rId43"/>
   </p:sldIdLst>
   <p:sldSz cx="12192000" cy="6858000"/>
   <p:notesSz cx="6858000" cy="9144000"/>
@@ -144,7 +148,445 @@
       </a:defRPr>
     </a:lvl9pPr>
   </p:defaultTextStyle>
+  <p:extLst>
+    <p:ext uri="{EFAFB233-063F-42B5-8137-9DF3F51BA10A}">
+      <p15:sldGuideLst xmlns:p15="http://schemas.microsoft.com/office/powerpoint/2012/main"/>
+    </p:ext>
+  </p:extLst>
 </p:presentation>
+</file>
+
+<file path=ppt/notesMasters/notesMaster1.xml><?xml version="1.0" encoding="utf-8"?>
+<p:notesMaster xmlns:a="http://schemas.openxmlformats.org/drawingml/2006/main" xmlns:r="http://schemas.openxmlformats.org/officeDocument/2006/relationships" xmlns:p="http://schemas.openxmlformats.org/presentationml/2006/main">
+  <p:cSld>
+    <p:bg>
+      <p:bgRef idx="1001">
+        <a:schemeClr val="bg1"/>
+      </p:bgRef>
+    </p:bg>
+    <p:spTree>
+      <p:nvGrpSpPr>
+        <p:cNvPr id="1" name=""/>
+        <p:cNvGrpSpPr/>
+        <p:nvPr/>
+      </p:nvGrpSpPr>
+      <p:grpSpPr>
+        <a:xfrm>
+          <a:off x="0" y="0"/>
+          <a:ext cx="0" cy="0"/>
+          <a:chOff x="0" y="0"/>
+          <a:chExt cx="0" cy="0"/>
+        </a:xfrm>
+      </p:grpSpPr>
+      <p:sp>
+        <p:nvSpPr>
+          <p:cNvPr id="2" name="页眉占位符 1"/>
+          <p:cNvSpPr>
+            <a:spLocks noGrp="1"/>
+          </p:cNvSpPr>
+          <p:nvPr>
+            <p:ph type="hdr" sz="quarter"/>
+          </p:nvPr>
+        </p:nvSpPr>
+        <p:spPr>
+          <a:xfrm>
+            <a:off x="0" y="0"/>
+            <a:ext cx="2971800" cy="458788"/>
+          </a:xfrm>
+          <a:prstGeom prst="rect">
+            <a:avLst/>
+          </a:prstGeom>
+        </p:spPr>
+        <p:txBody>
+          <a:bodyPr vert="horz" lIns="91440" tIns="45720" rIns="91440" bIns="45720" rtlCol="0"/>
+          <a:lstStyle>
+            <a:lvl1pPr algn="l">
+              <a:defRPr sz="1200"/>
+            </a:lvl1pPr>
+          </a:lstStyle>
+          <a:p>
+            <a:endParaRPr kumimoji="1" lang="zh-CN" altLang="en-US"/>
+          </a:p>
+        </p:txBody>
+      </p:sp>
+      <p:sp>
+        <p:nvSpPr>
+          <p:cNvPr id="3" name="日期占位符 2"/>
+          <p:cNvSpPr>
+            <a:spLocks noGrp="1"/>
+          </p:cNvSpPr>
+          <p:nvPr>
+            <p:ph type="dt" idx="1"/>
+          </p:nvPr>
+        </p:nvSpPr>
+        <p:spPr>
+          <a:xfrm>
+            <a:off x="3884613" y="0"/>
+            <a:ext cx="2971800" cy="458788"/>
+          </a:xfrm>
+          <a:prstGeom prst="rect">
+            <a:avLst/>
+          </a:prstGeom>
+        </p:spPr>
+        <p:txBody>
+          <a:bodyPr vert="horz" lIns="91440" tIns="45720" rIns="91440" bIns="45720" rtlCol="0"/>
+          <a:lstStyle>
+            <a:lvl1pPr algn="r">
+              <a:defRPr sz="1200"/>
+            </a:lvl1pPr>
+          </a:lstStyle>
+          <a:p>
+            <a:fld id="{A6C9619F-42F8-EB49-9D45-34D954E8E292}" type="datetimeFigureOut">
+              <a:rPr kumimoji="1" lang="zh-CN" altLang="en-US" smtClean="0"/>
+              <a:t>2020/4/27</a:t>
+            </a:fld>
+            <a:endParaRPr kumimoji="1" lang="zh-CN" altLang="en-US"/>
+          </a:p>
+        </p:txBody>
+      </p:sp>
+      <p:sp>
+        <p:nvSpPr>
+          <p:cNvPr id="4" name="幻灯片图像占位符 3"/>
+          <p:cNvSpPr>
+            <a:spLocks noGrp="1" noRot="1" noChangeAspect="1"/>
+          </p:cNvSpPr>
+          <p:nvPr>
+            <p:ph type="sldImg" idx="2"/>
+          </p:nvPr>
+        </p:nvSpPr>
+        <p:spPr>
+          <a:xfrm>
+            <a:off x="685800" y="1143000"/>
+            <a:ext cx="5486400" cy="3086100"/>
+          </a:xfrm>
+          <a:prstGeom prst="rect">
+            <a:avLst/>
+          </a:prstGeom>
+          <a:noFill/>
+          <a:ln w="12700">
+            <a:solidFill>
+              <a:prstClr val="black"/>
+            </a:solidFill>
+          </a:ln>
+        </p:spPr>
+        <p:txBody>
+          <a:bodyPr vert="horz" lIns="91440" tIns="45720" rIns="91440" bIns="45720" rtlCol="0" anchor="ctr"/>
+          <a:lstStyle/>
+          <a:p>
+            <a:endParaRPr lang="zh-CN" altLang="en-US"/>
+          </a:p>
+        </p:txBody>
+      </p:sp>
+      <p:sp>
+        <p:nvSpPr>
+          <p:cNvPr id="5" name="备注占位符 4"/>
+          <p:cNvSpPr>
+            <a:spLocks noGrp="1"/>
+          </p:cNvSpPr>
+          <p:nvPr>
+            <p:ph type="body" sz="quarter" idx="3"/>
+          </p:nvPr>
+        </p:nvSpPr>
+        <p:spPr>
+          <a:xfrm>
+            <a:off x="685800" y="4400550"/>
+            <a:ext cx="5486400" cy="3600450"/>
+          </a:xfrm>
+          <a:prstGeom prst="rect">
+            <a:avLst/>
+          </a:prstGeom>
+        </p:spPr>
+        <p:txBody>
+          <a:bodyPr vert="horz" lIns="91440" tIns="45720" rIns="91440" bIns="45720" rtlCol="0"/>
+          <a:lstStyle/>
+          <a:p>
+            <a:pPr lvl="0"/>
+            <a:r>
+              <a:rPr kumimoji="1" lang="zh-CN" altLang="en-US"/>
+              <a:t>单击此处编辑母版文本样式</a:t>
+            </a:r>
+          </a:p>
+          <a:p>
+            <a:pPr lvl="1"/>
+            <a:r>
+              <a:rPr kumimoji="1" lang="zh-CN" altLang="en-US"/>
+              <a:t>二级</a:t>
+            </a:r>
+          </a:p>
+          <a:p>
+            <a:pPr lvl="2"/>
+            <a:r>
+              <a:rPr kumimoji="1" lang="zh-CN" altLang="en-US"/>
+              <a:t>三级</a:t>
+            </a:r>
+          </a:p>
+          <a:p>
+            <a:pPr lvl="3"/>
+            <a:r>
+              <a:rPr kumimoji="1" lang="zh-CN" altLang="en-US"/>
+              <a:t>四级</a:t>
+            </a:r>
+          </a:p>
+          <a:p>
+            <a:pPr lvl="4"/>
+            <a:r>
+              <a:rPr kumimoji="1" lang="zh-CN" altLang="en-US"/>
+              <a:t>五级</a:t>
+            </a:r>
+          </a:p>
+        </p:txBody>
+      </p:sp>
+      <p:sp>
+        <p:nvSpPr>
+          <p:cNvPr id="6" name="页脚占位符 5"/>
+          <p:cNvSpPr>
+            <a:spLocks noGrp="1"/>
+          </p:cNvSpPr>
+          <p:nvPr>
+            <p:ph type="ftr" sz="quarter" idx="4"/>
+          </p:nvPr>
+        </p:nvSpPr>
+        <p:spPr>
+          <a:xfrm>
+            <a:off x="0" y="8685213"/>
+            <a:ext cx="2971800" cy="458787"/>
+          </a:xfrm>
+          <a:prstGeom prst="rect">
+            <a:avLst/>
+          </a:prstGeom>
+        </p:spPr>
+        <p:txBody>
+          <a:bodyPr vert="horz" lIns="91440" tIns="45720" rIns="91440" bIns="45720" rtlCol="0" anchor="b"/>
+          <a:lstStyle>
+            <a:lvl1pPr algn="l">
+              <a:defRPr sz="1200"/>
+            </a:lvl1pPr>
+          </a:lstStyle>
+          <a:p>
+            <a:endParaRPr kumimoji="1" lang="zh-CN" altLang="en-US"/>
+          </a:p>
+        </p:txBody>
+      </p:sp>
+      <p:sp>
+        <p:nvSpPr>
+          <p:cNvPr id="7" name="灯片编号占位符 6"/>
+          <p:cNvSpPr>
+            <a:spLocks noGrp="1"/>
+          </p:cNvSpPr>
+          <p:nvPr>
+            <p:ph type="sldNum" sz="quarter" idx="5"/>
+          </p:nvPr>
+        </p:nvSpPr>
+        <p:spPr>
+          <a:xfrm>
+            <a:off x="3884613" y="8685213"/>
+            <a:ext cx="2971800" cy="458787"/>
+          </a:xfrm>
+          <a:prstGeom prst="rect">
+            <a:avLst/>
+          </a:prstGeom>
+        </p:spPr>
+        <p:txBody>
+          <a:bodyPr vert="horz" lIns="91440" tIns="45720" rIns="91440" bIns="45720" rtlCol="0" anchor="b"/>
+          <a:lstStyle>
+            <a:lvl1pPr algn="r">
+              <a:defRPr sz="1200"/>
+            </a:lvl1pPr>
+          </a:lstStyle>
+          <a:p>
+            <a:fld id="{4ED012E2-61E3-294D-B063-BAA6FB9CE563}" type="slidenum">
+              <a:rPr kumimoji="1" lang="zh-CN" altLang="en-US" smtClean="0"/>
+              <a:t>‹#›</a:t>
+            </a:fld>
+            <a:endParaRPr kumimoji="1" lang="zh-CN" altLang="en-US"/>
+          </a:p>
+        </p:txBody>
+      </p:sp>
+    </p:spTree>
+    <p:extLst>
+      <p:ext uri="{BB962C8B-B14F-4D97-AF65-F5344CB8AC3E}">
+        <p14:creationId xmlns:p14="http://schemas.microsoft.com/office/powerpoint/2010/main" val="3094643563"/>
+      </p:ext>
+    </p:extLst>
+  </p:cSld>
+  <p:clrMap bg1="lt1" tx1="dk1" bg2="lt2" tx2="dk2" accent1="accent1" accent2="accent2" accent3="accent3" accent4="accent4" accent5="accent5" accent6="accent6" hlink="hlink" folHlink="folHlink"/>
+  <p:notesStyle>
+    <a:lvl1pPr marL="0" algn="l" defTabSz="914400" rtl="0" eaLnBrk="1" latinLnBrk="0" hangingPunct="1">
+      <a:defRPr sz="1200" kern="1200">
+        <a:solidFill>
+          <a:schemeClr val="tx1"/>
+        </a:solidFill>
+        <a:latin typeface="+mn-lt"/>
+        <a:ea typeface="+mn-ea"/>
+        <a:cs typeface="+mn-cs"/>
+      </a:defRPr>
+    </a:lvl1pPr>
+    <a:lvl2pPr marL="457200" algn="l" defTabSz="914400" rtl="0" eaLnBrk="1" latinLnBrk="0" hangingPunct="1">
+      <a:defRPr sz="1200" kern="1200">
+        <a:solidFill>
+          <a:schemeClr val="tx1"/>
+        </a:solidFill>
+        <a:latin typeface="+mn-lt"/>
+        <a:ea typeface="+mn-ea"/>
+        <a:cs typeface="+mn-cs"/>
+      </a:defRPr>
+    </a:lvl2pPr>
+    <a:lvl3pPr marL="914400" algn="l" defTabSz="914400" rtl="0" eaLnBrk="1" latinLnBrk="0" hangingPunct="1">
+      <a:defRPr sz="1200" kern="1200">
+        <a:solidFill>
+          <a:schemeClr val="tx1"/>
+        </a:solidFill>
+        <a:latin typeface="+mn-lt"/>
+        <a:ea typeface="+mn-ea"/>
+        <a:cs typeface="+mn-cs"/>
+      </a:defRPr>
+    </a:lvl3pPr>
+    <a:lvl4pPr marL="1371600" algn="l" defTabSz="914400" rtl="0" eaLnBrk="1" latinLnBrk="0" hangingPunct="1">
+      <a:defRPr sz="1200" kern="1200">
+        <a:solidFill>
+          <a:schemeClr val="tx1"/>
+        </a:solidFill>
+        <a:latin typeface="+mn-lt"/>
+        <a:ea typeface="+mn-ea"/>
+        <a:cs typeface="+mn-cs"/>
+      </a:defRPr>
+    </a:lvl4pPr>
+    <a:lvl5pPr marL="1828800" algn="l" defTabSz="914400" rtl="0" eaLnBrk="1" latinLnBrk="0" hangingPunct="1">
+      <a:defRPr sz="1200" kern="1200">
+        <a:solidFill>
+          <a:schemeClr val="tx1"/>
+        </a:solidFill>
+        <a:latin typeface="+mn-lt"/>
+        <a:ea typeface="+mn-ea"/>
+        <a:cs typeface="+mn-cs"/>
+      </a:defRPr>
+    </a:lvl5pPr>
+    <a:lvl6pPr marL="2286000" algn="l" defTabSz="914400" rtl="0" eaLnBrk="1" latinLnBrk="0" hangingPunct="1">
+      <a:defRPr sz="1200" kern="1200">
+        <a:solidFill>
+          <a:schemeClr val="tx1"/>
+        </a:solidFill>
+        <a:latin typeface="+mn-lt"/>
+        <a:ea typeface="+mn-ea"/>
+        <a:cs typeface="+mn-cs"/>
+      </a:defRPr>
+    </a:lvl6pPr>
+    <a:lvl7pPr marL="2743200" algn="l" defTabSz="914400" rtl="0" eaLnBrk="1" latinLnBrk="0" hangingPunct="1">
+      <a:defRPr sz="1200" kern="1200">
+        <a:solidFill>
+          <a:schemeClr val="tx1"/>
+        </a:solidFill>
+        <a:latin typeface="+mn-lt"/>
+        <a:ea typeface="+mn-ea"/>
+        <a:cs typeface="+mn-cs"/>
+      </a:defRPr>
+    </a:lvl7pPr>
+    <a:lvl8pPr marL="3200400" algn="l" defTabSz="914400" rtl="0" eaLnBrk="1" latinLnBrk="0" hangingPunct="1">
+      <a:defRPr sz="1200" kern="1200">
+        <a:solidFill>
+          <a:schemeClr val="tx1"/>
+        </a:solidFill>
+        <a:latin typeface="+mn-lt"/>
+        <a:ea typeface="+mn-ea"/>
+        <a:cs typeface="+mn-cs"/>
+      </a:defRPr>
+    </a:lvl8pPr>
+    <a:lvl9pPr marL="3657600" algn="l" defTabSz="914400" rtl="0" eaLnBrk="1" latinLnBrk="0" hangingPunct="1">
+      <a:defRPr sz="1200" kern="1200">
+        <a:solidFill>
+          <a:schemeClr val="tx1"/>
+        </a:solidFill>
+        <a:latin typeface="+mn-lt"/>
+        <a:ea typeface="+mn-ea"/>
+        <a:cs typeface="+mn-cs"/>
+      </a:defRPr>
+    </a:lvl9pPr>
+  </p:notesStyle>
+</p:notesMaster>
+</file>
+
+<file path=ppt/notesSlides/notesSlide1.xml><?xml version="1.0" encoding="utf-8"?>
+<p:notes xmlns:a="http://schemas.openxmlformats.org/drawingml/2006/main" xmlns:r="http://schemas.openxmlformats.org/officeDocument/2006/relationships" xmlns:p="http://schemas.openxmlformats.org/presentationml/2006/main">
+  <p:cSld>
+    <p:spTree>
+      <p:nvGrpSpPr>
+        <p:cNvPr id="1" name=""/>
+        <p:cNvGrpSpPr/>
+        <p:nvPr/>
+      </p:nvGrpSpPr>
+      <p:grpSpPr>
+        <a:xfrm>
+          <a:off x="0" y="0"/>
+          <a:ext cx="0" cy="0"/>
+          <a:chOff x="0" y="0"/>
+          <a:chExt cx="0" cy="0"/>
+        </a:xfrm>
+      </p:grpSpPr>
+      <p:sp>
+        <p:nvSpPr>
+          <p:cNvPr id="2" name="幻灯片图像占位符 1"/>
+          <p:cNvSpPr>
+            <a:spLocks noGrp="1" noRot="1" noChangeAspect="1"/>
+          </p:cNvSpPr>
+          <p:nvPr>
+            <p:ph type="sldImg"/>
+          </p:nvPr>
+        </p:nvSpPr>
+        <p:spPr/>
+      </p:sp>
+      <p:sp>
+        <p:nvSpPr>
+          <p:cNvPr id="3" name="备注占位符 2"/>
+          <p:cNvSpPr>
+            <a:spLocks noGrp="1"/>
+          </p:cNvSpPr>
+          <p:nvPr>
+            <p:ph type="body" idx="1"/>
+          </p:nvPr>
+        </p:nvSpPr>
+        <p:spPr/>
+        <p:txBody>
+          <a:bodyPr/>
+          <a:lstStyle/>
+          <a:p>
+            <a:endParaRPr kumimoji="1" lang="zh-CN" altLang="en-US" dirty="0"/>
+          </a:p>
+        </p:txBody>
+      </p:sp>
+      <p:sp>
+        <p:nvSpPr>
+          <p:cNvPr id="4" name="灯片编号占位符 3"/>
+          <p:cNvSpPr>
+            <a:spLocks noGrp="1"/>
+          </p:cNvSpPr>
+          <p:nvPr>
+            <p:ph type="sldNum" sz="quarter" idx="5"/>
+          </p:nvPr>
+        </p:nvSpPr>
+        <p:spPr/>
+        <p:txBody>
+          <a:bodyPr/>
+          <a:lstStyle/>
+          <a:p>
+            <a:fld id="{4ED012E2-61E3-294D-B063-BAA6FB9CE563}" type="slidenum">
+              <a:rPr kumimoji="1" lang="zh-CN" altLang="en-US" smtClean="0"/>
+              <a:t>15</a:t>
+            </a:fld>
+            <a:endParaRPr kumimoji="1" lang="zh-CN" altLang="en-US"/>
+          </a:p>
+        </p:txBody>
+      </p:sp>
+    </p:spTree>
+    <p:extLst>
+      <p:ext uri="{BB962C8B-B14F-4D97-AF65-F5344CB8AC3E}">
+        <p14:creationId xmlns:p14="http://schemas.microsoft.com/office/powerpoint/2010/main" val="3953190704"/>
+      </p:ext>
+    </p:extLst>
+  </p:cSld>
+  <p:clrMapOvr>
+    <a:masterClrMapping/>
+  </p:clrMapOvr>
+</p:notes>
 </file>
 
 <file path=ppt/slideLayouts/slideLayout1.xml><?xml version="1.0" encoding="utf-8"?>
@@ -294,7 +736,7 @@
           <a:p>
             <a:fld id="{C9D7C89F-921B-144A-B758-80598E2F27D0}" type="datetimeFigureOut">
               <a:rPr kumimoji="1" lang="zh-CN" altLang="en-US" smtClean="0"/>
-              <a:t>2020/4/22</a:t>
+              <a:t>2020/4/27</a:t>
             </a:fld>
             <a:endParaRPr kumimoji="1" lang="zh-CN" altLang="en-US"/>
           </a:p>
@@ -492,7 +934,7 @@
           <a:p>
             <a:fld id="{C9D7C89F-921B-144A-B758-80598E2F27D0}" type="datetimeFigureOut">
               <a:rPr kumimoji="1" lang="zh-CN" altLang="en-US" smtClean="0"/>
-              <a:t>2020/4/22</a:t>
+              <a:t>2020/4/27</a:t>
             </a:fld>
             <a:endParaRPr kumimoji="1" lang="zh-CN" altLang="en-US"/>
           </a:p>
@@ -700,7 +1142,7 @@
           <a:p>
             <a:fld id="{C9D7C89F-921B-144A-B758-80598E2F27D0}" type="datetimeFigureOut">
               <a:rPr kumimoji="1" lang="zh-CN" altLang="en-US" smtClean="0"/>
-              <a:t>2020/4/22</a:t>
+              <a:t>2020/4/27</a:t>
             </a:fld>
             <a:endParaRPr kumimoji="1" lang="zh-CN" altLang="en-US"/>
           </a:p>
@@ -898,7 +1340,7 @@
           <a:p>
             <a:fld id="{C9D7C89F-921B-144A-B758-80598E2F27D0}" type="datetimeFigureOut">
               <a:rPr kumimoji="1" lang="zh-CN" altLang="en-US" smtClean="0"/>
-              <a:t>2020/4/22</a:t>
+              <a:t>2020/4/27</a:t>
             </a:fld>
             <a:endParaRPr kumimoji="1" lang="zh-CN" altLang="en-US"/>
           </a:p>
@@ -1173,7 +1615,7 @@
           <a:p>
             <a:fld id="{C9D7C89F-921B-144A-B758-80598E2F27D0}" type="datetimeFigureOut">
               <a:rPr kumimoji="1" lang="zh-CN" altLang="en-US" smtClean="0"/>
-              <a:t>2020/4/22</a:t>
+              <a:t>2020/4/27</a:t>
             </a:fld>
             <a:endParaRPr kumimoji="1" lang="zh-CN" altLang="en-US"/>
           </a:p>
@@ -1438,7 +1880,7 @@
           <a:p>
             <a:fld id="{C9D7C89F-921B-144A-B758-80598E2F27D0}" type="datetimeFigureOut">
               <a:rPr kumimoji="1" lang="zh-CN" altLang="en-US" smtClean="0"/>
-              <a:t>2020/4/22</a:t>
+              <a:t>2020/4/27</a:t>
             </a:fld>
             <a:endParaRPr kumimoji="1" lang="zh-CN" altLang="en-US"/>
           </a:p>
@@ -1850,7 +2292,7 @@
           <a:p>
             <a:fld id="{C9D7C89F-921B-144A-B758-80598E2F27D0}" type="datetimeFigureOut">
               <a:rPr kumimoji="1" lang="zh-CN" altLang="en-US" smtClean="0"/>
-              <a:t>2020/4/22</a:t>
+              <a:t>2020/4/27</a:t>
             </a:fld>
             <a:endParaRPr kumimoji="1" lang="zh-CN" altLang="en-US"/>
           </a:p>
@@ -1991,7 +2433,7 @@
           <a:p>
             <a:fld id="{C9D7C89F-921B-144A-B758-80598E2F27D0}" type="datetimeFigureOut">
               <a:rPr kumimoji="1" lang="zh-CN" altLang="en-US" smtClean="0"/>
-              <a:t>2020/4/22</a:t>
+              <a:t>2020/4/27</a:t>
             </a:fld>
             <a:endParaRPr kumimoji="1" lang="zh-CN" altLang="en-US"/>
           </a:p>
@@ -2104,7 +2546,7 @@
           <a:p>
             <a:fld id="{C9D7C89F-921B-144A-B758-80598E2F27D0}" type="datetimeFigureOut">
               <a:rPr kumimoji="1" lang="zh-CN" altLang="en-US" smtClean="0"/>
-              <a:t>2020/4/22</a:t>
+              <a:t>2020/4/27</a:t>
             </a:fld>
             <a:endParaRPr kumimoji="1" lang="zh-CN" altLang="en-US"/>
           </a:p>
@@ -2415,7 +2857,7 @@
           <a:p>
             <a:fld id="{C9D7C89F-921B-144A-B758-80598E2F27D0}" type="datetimeFigureOut">
               <a:rPr kumimoji="1" lang="zh-CN" altLang="en-US" smtClean="0"/>
-              <a:t>2020/4/22</a:t>
+              <a:t>2020/4/27</a:t>
             </a:fld>
             <a:endParaRPr kumimoji="1" lang="zh-CN" altLang="en-US"/>
           </a:p>
@@ -2703,7 +3145,7 @@
           <a:p>
             <a:fld id="{C9D7C89F-921B-144A-B758-80598E2F27D0}" type="datetimeFigureOut">
               <a:rPr kumimoji="1" lang="zh-CN" altLang="en-US" smtClean="0"/>
-              <a:t>2020/4/22</a:t>
+              <a:t>2020/4/27</a:t>
             </a:fld>
             <a:endParaRPr kumimoji="1" lang="zh-CN" altLang="en-US"/>
           </a:p>
@@ -2944,7 +3386,7 @@
           <a:p>
             <a:fld id="{C9D7C89F-921B-144A-B758-80598E2F27D0}" type="datetimeFigureOut">
               <a:rPr kumimoji="1" lang="zh-CN" altLang="en-US" smtClean="0"/>
-              <a:t>2020/4/22</a:t>
+              <a:t>2020/4/27</a:t>
             </a:fld>
             <a:endParaRPr kumimoji="1" lang="zh-CN" altLang="en-US"/>
           </a:p>
@@ -4301,7 +4743,7 @@
           <a:graphicData uri="http://schemas.openxmlformats.org/presentationml/2006/ole">
             <mc:AlternateContent xmlns:mc="http://schemas.openxmlformats.org/markup-compatibility/2006">
               <mc:Choice xmlns:v="urn:schemas-microsoft-com:vml" Requires="v">
-                <p:oleObj spid="_x0000_s8195" name="SmartDraw" r:id="rId3" imgW="36906200" imgH="15163800" progId="SmartDraw.2">
+                <p:oleObj spid="_x0000_s8200" name="SmartDraw" r:id="rId3" imgW="36906200" imgH="15163800" progId="SmartDraw.2">
                   <p:embed/>
                 </p:oleObj>
               </mc:Choice>
@@ -10705,9 +11147,10 @@
               <a:buSzPct val="55000"/>
             </a:pPr>
             <a:r>
-              <a:rPr lang="en-US" altLang="zh-CN" sz="2400" b="1"/>
+              <a:rPr lang="en-US" altLang="zh-CN" sz="2400" b="1" dirty="0" err="1"/>
               <a:t>RuntimeException</a:t>
             </a:r>
+            <a:endParaRPr lang="en-US" altLang="zh-CN" sz="2400" b="1" dirty="0"/>
           </a:p>
           <a:p>
             <a:pPr lvl="2" eaLnBrk="1" hangingPunct="1">
@@ -10717,9 +11160,10 @@
               <a:buSzPct val="50000"/>
             </a:pPr>
             <a:r>
-              <a:rPr lang="en-US" altLang="zh-CN" sz="2000" b="1"/>
+              <a:rPr lang="en-US" altLang="zh-CN" sz="2000" b="1" dirty="0" err="1"/>
               <a:t>InllegalMonitorStateException</a:t>
             </a:r>
+            <a:endParaRPr lang="en-US" altLang="zh-CN" sz="2000" b="1" dirty="0"/>
           </a:p>
           <a:p>
             <a:pPr lvl="2" eaLnBrk="1" hangingPunct="1">
@@ -10729,9 +11173,10 @@
               <a:buSzPct val="50000"/>
             </a:pPr>
             <a:r>
-              <a:rPr lang="en-US" altLang="zh-CN" sz="2000" b="1"/>
+              <a:rPr lang="en-US" altLang="zh-CN" sz="2000" b="1" dirty="0" err="1"/>
               <a:t>InllegalStateException</a:t>
             </a:r>
+            <a:endParaRPr lang="en-US" altLang="zh-CN" sz="2000" b="1" dirty="0"/>
           </a:p>
           <a:p>
             <a:pPr lvl="2" eaLnBrk="1" hangingPunct="1">
@@ -10741,13 +11186,18 @@
               <a:buSzPct val="50000"/>
             </a:pPr>
             <a:r>
-              <a:rPr lang="en-US" altLang="zh-CN" sz="2000" b="1">
+              <a:rPr lang="en-US" altLang="zh-CN" sz="2000" b="1" dirty="0" err="1">
                 <a:solidFill>
                   <a:srgbClr val="FF0000"/>
                 </a:solidFill>
               </a:rPr>
               <a:t>IndexOutOfBoundsException</a:t>
             </a:r>
+            <a:endParaRPr lang="en-US" altLang="zh-CN" sz="2000" b="1" dirty="0">
+              <a:solidFill>
+                <a:srgbClr val="FF0000"/>
+              </a:solidFill>
+            </a:endParaRPr>
           </a:p>
           <a:p>
             <a:pPr lvl="3" eaLnBrk="1" hangingPunct="1">
@@ -10757,13 +11207,18 @@
               <a:buSzPct val="55000"/>
             </a:pPr>
             <a:r>
-              <a:rPr lang="en-US" altLang="zh-CN" sz="1800" b="1">
+              <a:rPr lang="en-US" altLang="zh-CN" sz="1800" b="1" dirty="0" err="1">
                 <a:solidFill>
                   <a:srgbClr val="FF0000"/>
                 </a:solidFill>
               </a:rPr>
               <a:t>ArrayIndexOutObBoundsException</a:t>
             </a:r>
+            <a:endParaRPr lang="en-US" altLang="zh-CN" sz="1800" b="1" dirty="0">
+              <a:solidFill>
+                <a:srgbClr val="FF0000"/>
+              </a:solidFill>
+            </a:endParaRPr>
           </a:p>
           <a:p>
             <a:pPr lvl="3" eaLnBrk="1" hangingPunct="1">
@@ -10773,9 +11228,10 @@
               <a:buSzPct val="55000"/>
             </a:pPr>
             <a:r>
-              <a:rPr lang="en-US" altLang="zh-CN" sz="1800" b="1"/>
+              <a:rPr lang="en-US" altLang="zh-CN" sz="1800" b="1" dirty="0" err="1"/>
               <a:t>StringIndexOutObBoundsException</a:t>
             </a:r>
+            <a:endParaRPr lang="en-US" altLang="zh-CN" sz="1800" b="1" dirty="0"/>
           </a:p>
           <a:p>
             <a:pPr lvl="2" eaLnBrk="1" hangingPunct="1">
@@ -10785,9 +11241,10 @@
               <a:buSzPct val="50000"/>
             </a:pPr>
             <a:r>
-              <a:rPr lang="en-US" altLang="zh-CN" sz="2000" b="1"/>
+              <a:rPr lang="en-US" altLang="zh-CN" sz="2000" b="1" dirty="0" err="1"/>
               <a:t>NegativeArraySizeException</a:t>
             </a:r>
+            <a:endParaRPr lang="en-US" altLang="zh-CN" sz="2000" b="1" dirty="0"/>
           </a:p>
           <a:p>
             <a:pPr lvl="2" eaLnBrk="1" hangingPunct="1">
@@ -10797,13 +11254,18 @@
               <a:buSzPct val="50000"/>
             </a:pPr>
             <a:r>
-              <a:rPr lang="en-US" altLang="zh-CN" sz="2000" b="1">
+              <a:rPr lang="en-US" altLang="zh-CN" sz="2000" b="1" dirty="0" err="1">
                 <a:solidFill>
                   <a:srgbClr val="FF0000"/>
                 </a:solidFill>
               </a:rPr>
               <a:t>NullPointerException</a:t>
             </a:r>
+            <a:endParaRPr lang="en-US" altLang="zh-CN" sz="2000" b="1" dirty="0">
+              <a:solidFill>
+                <a:srgbClr val="FF0000"/>
+              </a:solidFill>
+            </a:endParaRPr>
           </a:p>
           <a:p>
             <a:pPr lvl="2" eaLnBrk="1" hangingPunct="1">
@@ -10813,9 +11275,10 @@
               <a:buSzPct val="50000"/>
             </a:pPr>
             <a:r>
-              <a:rPr lang="en-US" altLang="zh-CN" sz="2000" b="1"/>
+              <a:rPr lang="en-US" altLang="zh-CN" sz="2000" b="1" dirty="0" err="1"/>
               <a:t>SecurityException</a:t>
             </a:r>
+            <a:endParaRPr lang="en-US" altLang="zh-CN" sz="2000" b="1" dirty="0"/>
           </a:p>
           <a:p>
             <a:pPr lvl="2" eaLnBrk="1" hangingPunct="1">
@@ -10825,7 +11288,7 @@
               <a:buSzPct val="50000"/>
             </a:pPr>
             <a:r>
-              <a:rPr lang="en-US" altLang="zh-CN" sz="2000" b="1">
+              <a:rPr lang="en-US" altLang="zh-CN" sz="2000" b="1" dirty="0">
                 <a:latin typeface="Times New Roman" panose="02020603050405020304" pitchFamily="18" charset="0"/>
               </a:rPr>
               <a:t>…</a:t>
@@ -10839,8 +11302,20 @@
               <a:buSzPct val="50000"/>
             </a:pPr>
             <a:r>
-              <a:rPr lang="en-US" altLang="zh-CN" sz="2000" b="1"/>
-              <a:t>EmptyStackException (in java.util)</a:t>
+              <a:rPr lang="en-US" altLang="zh-CN" sz="2000" b="1" dirty="0" err="1"/>
+              <a:t>EmptyStackException</a:t>
+            </a:r>
+            <a:r>
+              <a:rPr lang="en-US" altLang="zh-CN" sz="2000" b="1" dirty="0"/>
+              <a:t> (in </a:t>
+            </a:r>
+            <a:r>
+              <a:rPr lang="en-US" altLang="zh-CN" sz="2000" b="1" dirty="0" err="1"/>
+              <a:t>java.util</a:t>
+            </a:r>
+            <a:r>
+              <a:rPr lang="en-US" altLang="zh-CN" sz="2000" b="1" dirty="0"/>
+              <a:t>)</a:t>
             </a:r>
           </a:p>
           <a:p>
@@ -10851,8 +11326,20 @@
               <a:buSzPct val="50000"/>
             </a:pPr>
             <a:r>
-              <a:rPr lang="en-US" altLang="zh-CN" sz="2000" b="1"/>
-              <a:t>MissingResourceException (in java.util)</a:t>
+              <a:rPr lang="en-US" altLang="zh-CN" sz="2000" b="1" dirty="0" err="1"/>
+              <a:t>MissingResourceException</a:t>
+            </a:r>
+            <a:r>
+              <a:rPr lang="en-US" altLang="zh-CN" sz="2000" b="1" dirty="0"/>
+              <a:t> (in </a:t>
+            </a:r>
+            <a:r>
+              <a:rPr lang="en-US" altLang="zh-CN" sz="2000" b="1" dirty="0" err="1"/>
+              <a:t>java.util</a:t>
+            </a:r>
+            <a:r>
+              <a:rPr lang="en-US" altLang="zh-CN" sz="2000" b="1" dirty="0"/>
+              <a:t>)</a:t>
             </a:r>
           </a:p>
           <a:p>
@@ -10863,8 +11350,20 @@
               <a:buSzPct val="50000"/>
             </a:pPr>
             <a:r>
-              <a:rPr lang="en-US" altLang="zh-CN" sz="2000" b="1"/>
-              <a:t>NoSuchElementException (in java.util)</a:t>
+              <a:rPr lang="en-US" altLang="zh-CN" sz="2000" b="1" dirty="0" err="1"/>
+              <a:t>NoSuchElementException</a:t>
+            </a:r>
+            <a:r>
+              <a:rPr lang="en-US" altLang="zh-CN" sz="2000" b="1" dirty="0"/>
+              <a:t> (in </a:t>
+            </a:r>
+            <a:r>
+              <a:rPr lang="en-US" altLang="zh-CN" sz="2000" b="1" dirty="0" err="1"/>
+              <a:t>java.util</a:t>
+            </a:r>
+            <a:r>
+              <a:rPr lang="en-US" altLang="zh-CN" sz="2000" b="1" dirty="0"/>
+              <a:t>)</a:t>
             </a:r>
           </a:p>
           <a:p>
@@ -10875,7 +11374,7 @@
               <a:buSzPct val="50000"/>
             </a:pPr>
             <a:r>
-              <a:rPr lang="en-US" altLang="zh-CN" sz="2000" b="1">
+              <a:rPr lang="en-US" altLang="zh-CN" sz="2000" b="1" dirty="0">
                 <a:latin typeface="Times New Roman" panose="02020603050405020304" pitchFamily="18" charset="0"/>
               </a:rPr>
               <a:t>…</a:t>
@@ -16042,7 +16541,15 @@
             </a:pPr>
             <a:r>
               <a:rPr lang="en-US" altLang="zh-CN" sz="2400" b="1" dirty="0"/>
-              <a:t>public class Li4_01{</a:t>
+              <a:t>public class </a:t>
+            </a:r>
+            <a:r>
+              <a:rPr lang="en-US" altLang="zh-CN" sz="2400" b="1" dirty="0" err="1"/>
+              <a:t>Anyting</a:t>
+            </a:r>
+            <a:r>
+              <a:rPr lang="en-US" altLang="zh-CN" sz="2400" b="1" dirty="0"/>
+              <a:t>{</a:t>
             </a:r>
           </a:p>
           <a:p>
@@ -25682,8 +26189,8 @@
         </p:nvSpPr>
         <p:spPr bwMode="auto">
           <a:xfrm>
-            <a:off x="1919288" y="2001838"/>
-            <a:ext cx="8424862" cy="3935412"/>
+            <a:off x="1195754" y="2001838"/>
+            <a:ext cx="9148396" cy="3108543"/>
           </a:xfrm>
           <a:prstGeom prst="rect">
             <a:avLst/>
@@ -25724,7 +26231,7 @@
           </a:extLst>
         </p:spPr>
         <p:txBody>
-          <a:bodyPr>
+          <a:bodyPr wrap="square">
             <a:spAutoFit/>
           </a:bodyPr>
           <a:lstStyle>
@@ -25883,11 +26390,7 @@
               <a:buNone/>
             </a:pPr>
             <a:r>
-              <a:rPr lang="en-US" altLang="zh-CN" sz="2800" b="1"/>
-              <a:t>       </a:t>
-            </a:r>
-            <a:r>
-              <a:rPr lang="en-US" altLang="zh-CN" sz="2800" b="1">
+              <a:rPr lang="en-US" altLang="zh-CN" sz="2800" b="1" dirty="0">
                 <a:solidFill>
                   <a:schemeClr val="hlink"/>
                 </a:solidFill>
@@ -25895,7 +26398,7 @@
               <a:t>Java</a:t>
             </a:r>
             <a:r>
-              <a:rPr lang="zh-CN" altLang="en-US" sz="2800" b="1">
+              <a:rPr lang="zh-CN" altLang="en-US" sz="2800" b="1" dirty="0">
                 <a:solidFill>
                   <a:schemeClr val="hlink"/>
                 </a:solidFill>
@@ -25916,11 +26419,11 @@
               <a:buNone/>
             </a:pPr>
             <a:r>
-              <a:rPr lang="zh-CN" altLang="en-US" sz="2800" b="1"/>
+              <a:rPr lang="zh-CN" altLang="en-US" sz="2800" b="1" dirty="0"/>
               <a:t>       </a:t>
             </a:r>
             <a:r>
-              <a:rPr lang="zh-CN" altLang="en-US" sz="2800" b="1">
+              <a:rPr lang="zh-CN" altLang="en-US" sz="2800" b="1" dirty="0">
                 <a:solidFill>
                   <a:schemeClr val="hlink"/>
                 </a:solidFill>
@@ -25928,7 +26431,7 @@
               <a:t>致命性错误</a:t>
             </a:r>
             <a:r>
-              <a:rPr lang="zh-CN" altLang="en-US" sz="2800" b="1"/>
+              <a:rPr lang="zh-CN" altLang="en-US" sz="2800" b="1" dirty="0"/>
               <a:t>：如程序进入死循环，或递归无法结束，或内存溢出，这类现象称为错误。错误只能在编程阶段解决，只能依靠其他程序干预，否则会一直处于非正常状态。</a:t>
             </a:r>
           </a:p>
@@ -25945,11 +26448,11 @@
               <a:buNone/>
             </a:pPr>
             <a:r>
-              <a:rPr lang="zh-CN" altLang="en-US" sz="2800" b="1"/>
+              <a:rPr lang="zh-CN" altLang="en-US" sz="2800" b="1" dirty="0"/>
               <a:t>       </a:t>
             </a:r>
             <a:r>
-              <a:rPr lang="zh-CN" altLang="en-US" sz="2800" b="1">
+              <a:rPr lang="zh-CN" altLang="en-US" sz="2800" b="1" dirty="0">
                 <a:solidFill>
                   <a:schemeClr val="hlink"/>
                 </a:solidFill>
@@ -25957,19 +26460,19 @@
               <a:t>非致命性的异常</a:t>
             </a:r>
             <a:r>
-              <a:rPr lang="zh-CN" altLang="en-US" sz="2800" b="1"/>
+              <a:rPr lang="zh-CN" altLang="en-US" sz="2800" b="1" dirty="0"/>
               <a:t>：如运算时除数为</a:t>
             </a:r>
             <a:r>
-              <a:rPr lang="en-US" altLang="zh-CN" sz="2800" b="1"/>
+              <a:rPr lang="en-US" altLang="zh-CN" sz="2800" b="1" dirty="0"/>
               <a:t>0</a:t>
             </a:r>
             <a:r>
-              <a:rPr lang="zh-CN" altLang="en-US" sz="2800" b="1"/>
+              <a:rPr lang="zh-CN" altLang="en-US" sz="2800" b="1" dirty="0"/>
               <a:t>，或操作数超出范围，或打开一个文件时发现文件并不存在，或欲装入的类文件丢失，或网络连接中断等，这类现象称为异常。</a:t>
             </a:r>
             <a:r>
-              <a:rPr lang="zh-CN" altLang="en-US" sz="2800"/>
+              <a:rPr lang="zh-CN" altLang="en-US" sz="2800" dirty="0"/>
               <a:t> </a:t>
             </a:r>
           </a:p>
@@ -33042,7 +33545,7 @@
             </a:extLst>
           </p:cNvPr>
           <p:cNvSpPr>
-            <a:spLocks noChangeArrowheads="1"/>
+            <a:spLocks noGrp="1" noChangeArrowheads="1"/>
           </p:cNvSpPr>
           <p:nvPr>
             <p:ph type="body" idx="4294967295"/>
@@ -33466,7 +33969,7 @@
             </a:extLst>
           </p:cNvPr>
           <p:cNvSpPr>
-            <a:spLocks noChangeArrowheads="1"/>
+            <a:spLocks noGrp="1" noChangeArrowheads="1"/>
           </p:cNvSpPr>
           <p:nvPr>
             <p:ph type="body" idx="4294967295"/>
@@ -33774,7 +34277,7 @@
             </a:extLst>
           </p:cNvPr>
           <p:cNvSpPr>
-            <a:spLocks noChangeArrowheads="1"/>
+            <a:spLocks noGrp="1" noChangeArrowheads="1"/>
           </p:cNvSpPr>
           <p:nvPr>
             <p:ph type="title" idx="4294967295"/>
@@ -33815,7 +34318,7 @@
             </a:extLst>
           </p:cNvPr>
           <p:cNvSpPr>
-            <a:spLocks noChangeArrowheads="1"/>
+            <a:spLocks noGrp="1" noChangeArrowheads="1"/>
           </p:cNvSpPr>
           <p:nvPr>
             <p:ph type="body" idx="4294967295"/>
@@ -34732,7 +35235,7 @@
             </a:extLst>
           </p:cNvPr>
           <p:cNvSpPr>
-            <a:spLocks noChangeArrowheads="1"/>
+            <a:spLocks noGrp="1" noChangeArrowheads="1"/>
           </p:cNvSpPr>
           <p:nvPr>
             <p:ph type="title" idx="4294967295"/>
@@ -34760,7 +35263,7 @@
             </a:extLst>
           </p:cNvPr>
           <p:cNvSpPr>
-            <a:spLocks noChangeArrowheads="1"/>
+            <a:spLocks noGrp="1" noChangeArrowheads="1"/>
           </p:cNvSpPr>
           <p:nvPr>
             <p:ph idx="4294967295"/>
@@ -41286,6 +41789,152 @@
 </p:sld>
 </file>
 
+<file path=ppt/slides/slide42.xml><?xml version="1.0" encoding="utf-8"?>
+<p:sld xmlns:a="http://schemas.openxmlformats.org/drawingml/2006/main" xmlns:r="http://schemas.openxmlformats.org/officeDocument/2006/relationships" xmlns:p="http://schemas.openxmlformats.org/presentationml/2006/main">
+  <p:cSld>
+    <p:spTree>
+      <p:nvGrpSpPr>
+        <p:cNvPr id="1" name=""/>
+        <p:cNvGrpSpPr/>
+        <p:nvPr/>
+      </p:nvGrpSpPr>
+      <p:grpSpPr>
+        <a:xfrm>
+          <a:off x="0" y="0"/>
+          <a:ext cx="0" cy="0"/>
+          <a:chOff x="0" y="0"/>
+          <a:chExt cx="0" cy="0"/>
+        </a:xfrm>
+      </p:grpSpPr>
+      <p:sp>
+        <p:nvSpPr>
+          <p:cNvPr id="2" name="文本框 1">
+            <a:extLst>
+              <a:ext uri="{FF2B5EF4-FFF2-40B4-BE49-F238E27FC236}">
+                <a16:creationId xmlns:a16="http://schemas.microsoft.com/office/drawing/2014/main" id="{47CD1145-876C-404E-A8D1-B29C892108F2}"/>
+              </a:ext>
+            </a:extLst>
+          </p:cNvPr>
+          <p:cNvSpPr txBox="1"/>
+          <p:nvPr/>
+        </p:nvSpPr>
+        <p:spPr>
+          <a:xfrm>
+            <a:off x="1069144" y="393895"/>
+            <a:ext cx="9200271" cy="3539430"/>
+          </a:xfrm>
+          <a:prstGeom prst="rect">
+            <a:avLst/>
+          </a:prstGeom>
+          <a:noFill/>
+        </p:spPr>
+        <p:txBody>
+          <a:bodyPr wrap="square" rtlCol="0">
+            <a:spAutoFit/>
+          </a:bodyPr>
+          <a:lstStyle/>
+          <a:p>
+            <a:r>
+              <a:rPr kumimoji="1" lang="zh-CN" altLang="en-US" sz="2800" dirty="0"/>
+              <a:t>作业：</a:t>
+            </a:r>
+            <a:endParaRPr kumimoji="1" lang="en-US" altLang="zh-CN" sz="2800" dirty="0"/>
+          </a:p>
+          <a:p>
+            <a:endParaRPr kumimoji="1" lang="en-US" altLang="zh-CN" sz="2800" dirty="0"/>
+          </a:p>
+          <a:p>
+            <a:pPr marL="514350" indent="-514350">
+              <a:buAutoNum type="arabicPeriod"/>
+            </a:pPr>
+            <a:r>
+              <a:rPr kumimoji="1" lang="zh-CN" altLang="en-US" sz="2800" dirty="0"/>
+              <a:t>归纳</a:t>
+            </a:r>
+            <a:r>
+              <a:rPr kumimoji="1" lang="en-US" altLang="zh-CN" sz="2800" dirty="0"/>
+              <a:t>JAVA</a:t>
+            </a:r>
+            <a:r>
+              <a:rPr kumimoji="1" lang="zh-CN" altLang="en-US" sz="2800" dirty="0"/>
+              <a:t>语言的内置</a:t>
+            </a:r>
+            <a:r>
+              <a:rPr kumimoji="1" lang="en-US" altLang="zh-CN" sz="2800" dirty="0"/>
+              <a:t>Exception</a:t>
+            </a:r>
+            <a:r>
+              <a:rPr kumimoji="1" lang="zh-CN" altLang="en-US" sz="2800" dirty="0"/>
+              <a:t>，列出树形列表</a:t>
+            </a:r>
+            <a:endParaRPr kumimoji="1" lang="en-US" altLang="zh-CN" sz="2800" dirty="0"/>
+          </a:p>
+          <a:p>
+            <a:pPr marL="514350" indent="-514350">
+              <a:buAutoNum type="arabicPeriod"/>
+            </a:pPr>
+            <a:r>
+              <a:rPr kumimoji="1" lang="zh-CN" altLang="en-US" sz="2800" dirty="0"/>
+              <a:t>做一个自定义异常的</a:t>
+            </a:r>
+            <a:r>
+              <a:rPr kumimoji="1" lang="en-US" altLang="zh-CN" sz="2800" dirty="0"/>
+              <a:t>Demo,</a:t>
+            </a:r>
+            <a:r>
+              <a:rPr kumimoji="1" lang="zh-CN" altLang="en-US" sz="2800" dirty="0"/>
+              <a:t>比如老师提问问题给某同学，但是同学未能上课。</a:t>
+            </a:r>
+            <a:endParaRPr kumimoji="1" lang="en-US" altLang="zh-CN" sz="2800" dirty="0"/>
+          </a:p>
+          <a:p>
+            <a:pPr marL="514350" indent="-514350">
+              <a:buAutoNum type="arabicPeriod"/>
+            </a:pPr>
+            <a:r>
+              <a:rPr kumimoji="1" lang="zh-CN" altLang="en-US" sz="2800" dirty="0"/>
+              <a:t>对集合框架中的</a:t>
+            </a:r>
+            <a:r>
+              <a:rPr kumimoji="1" lang="en-US" altLang="zh-CN" sz="2800" dirty="0"/>
+              <a:t>Java</a:t>
+            </a:r>
+            <a:r>
+              <a:rPr kumimoji="1" lang="zh-CN" altLang="en-US" sz="2800" dirty="0"/>
+              <a:t>语言的集合泛型类，每一个容器都做一</a:t>
+            </a:r>
+            <a:r>
+              <a:rPr kumimoji="1" lang="zh-CN" altLang="en-US" sz="2800"/>
+              <a:t>个测试的</a:t>
+            </a:r>
+            <a:r>
+              <a:rPr kumimoji="1" lang="en-US" altLang="zh-CN" sz="2800"/>
+              <a:t>Demo</a:t>
+            </a:r>
+            <a:r>
+              <a:rPr kumimoji="1" lang="zh-CN" altLang="en-US" sz="2800" dirty="0"/>
+              <a:t>。</a:t>
+            </a:r>
+            <a:endParaRPr kumimoji="1" lang="en-US" altLang="zh-CN" sz="2800" dirty="0"/>
+          </a:p>
+          <a:p>
+            <a:endParaRPr kumimoji="1" lang="zh-CN" altLang="en-US" sz="2800" dirty="0"/>
+          </a:p>
+        </p:txBody>
+      </p:sp>
+    </p:spTree>
+    <p:extLst>
+      <p:ext uri="{BB962C8B-B14F-4D97-AF65-F5344CB8AC3E}">
+        <p14:creationId xmlns:p14="http://schemas.microsoft.com/office/powerpoint/2010/main" val="1639436693"/>
+      </p:ext>
+    </p:extLst>
+  </p:cSld>
+  <p:clrMapOvr>
+    <a:masterClrMapping/>
+  </p:clrMapOvr>
+</p:sld>
+</file>
+
 <file path=ppt/slides/slide5.xml><?xml version="1.0" encoding="utf-8"?>
 <p:sld xmlns:a="http://schemas.openxmlformats.org/drawingml/2006/main" xmlns:r="http://schemas.openxmlformats.org/officeDocument/2006/relationships" xmlns:p="http://schemas.openxmlformats.org/presentationml/2006/main">
   <p:cSld>
@@ -45102,4 +45751,299 @@
     </a:ext>
   </a:extLst>
 </a:theme>
+</file>
+
+<file path=ppt/theme/theme2.xml><?xml version="1.0" encoding="utf-8"?>
+<a:theme xmlns:a="http://schemas.openxmlformats.org/drawingml/2006/main" name="Office 主题​​">
+  <a:themeElements>
+    <a:clrScheme name="Office">
+      <a:dk1>
+        <a:sysClr val="windowText" lastClr="000000"/>
+      </a:dk1>
+      <a:lt1>
+        <a:sysClr val="window" lastClr="FFFFFF"/>
+      </a:lt1>
+      <a:dk2>
+        <a:srgbClr val="44546A"/>
+      </a:dk2>
+      <a:lt2>
+        <a:srgbClr val="E7E6E6"/>
+      </a:lt2>
+      <a:accent1>
+        <a:srgbClr val="4472C4"/>
+      </a:accent1>
+      <a:accent2>
+        <a:srgbClr val="ED7D31"/>
+      </a:accent2>
+      <a:accent3>
+        <a:srgbClr val="A5A5A5"/>
+      </a:accent3>
+      <a:accent4>
+        <a:srgbClr val="FFC000"/>
+      </a:accent4>
+      <a:accent5>
+        <a:srgbClr val="5B9BD5"/>
+      </a:accent5>
+      <a:accent6>
+        <a:srgbClr val="70AD47"/>
+      </a:accent6>
+      <a:hlink>
+        <a:srgbClr val="0563C1"/>
+      </a:hlink>
+      <a:folHlink>
+        <a:srgbClr val="954F72"/>
+      </a:folHlink>
+    </a:clrScheme>
+    <a:fontScheme name="Office">
+      <a:majorFont>
+        <a:latin typeface="等线 Light" panose="020F0302020204030204"/>
+        <a:ea typeface=""/>
+        <a:cs typeface=""/>
+        <a:font script="Jpan" typeface="游ゴシック Light"/>
+        <a:font script="Hang" typeface="맑은 고딕"/>
+        <a:font script="Hans" typeface="等线 Light"/>
+        <a:font script="Hant" typeface="新細明體"/>
+        <a:font script="Arab" typeface="Times New Roman"/>
+        <a:font script="Hebr" typeface="Times New Roman"/>
+        <a:font script="Thai" typeface="Angsana New"/>
+        <a:font script="Ethi" typeface="Nyala"/>
+        <a:font script="Beng" typeface="Vrinda"/>
+        <a:font script="Gujr" typeface="Shruti"/>
+        <a:font script="Khmr" typeface="MoolBoran"/>
+        <a:font script="Knda" typeface="Tunga"/>
+        <a:font script="Guru" typeface="Raavi"/>
+        <a:font script="Cans" typeface="Euphemia"/>
+        <a:font script="Cher" typeface="Plantagenet Cherokee"/>
+        <a:font script="Yiii" typeface="Microsoft Yi Baiti"/>
+        <a:font script="Tibt" typeface="Microsoft Himalaya"/>
+        <a:font script="Thaa" typeface="MV Boli"/>
+        <a:font script="Deva" typeface="Mangal"/>
+        <a:font script="Telu" typeface="Gautami"/>
+        <a:font script="Taml" typeface="Latha"/>
+        <a:font script="Syrc" typeface="Estrangelo Edessa"/>
+        <a:font script="Orya" typeface="Kalinga"/>
+        <a:font script="Mlym" typeface="Kartika"/>
+        <a:font script="Laoo" typeface="DokChampa"/>
+        <a:font script="Sinh" typeface="Iskoola Pota"/>
+        <a:font script="Mong" typeface="Mongolian Baiti"/>
+        <a:font script="Viet" typeface="Times New Roman"/>
+        <a:font script="Uigh" typeface="Microsoft Uighur"/>
+        <a:font script="Geor" typeface="Sylfaen"/>
+        <a:font script="Armn" typeface="Arial"/>
+        <a:font script="Bugi" typeface="Leelawadee UI"/>
+        <a:font script="Bopo" typeface="Microsoft JhengHei"/>
+        <a:font script="Java" typeface="Javanese Text"/>
+        <a:font script="Lisu" typeface="Segoe UI"/>
+        <a:font script="Mymr" typeface="Myanmar Text"/>
+        <a:font script="Nkoo" typeface="Ebrima"/>
+        <a:font script="Olck" typeface="Nirmala UI"/>
+        <a:font script="Osma" typeface="Ebrima"/>
+        <a:font script="Phag" typeface="Phagspa"/>
+        <a:font script="Syrn" typeface="Estrangelo Edessa"/>
+        <a:font script="Syrj" typeface="Estrangelo Edessa"/>
+        <a:font script="Syre" typeface="Estrangelo Edessa"/>
+        <a:font script="Sora" typeface="Nirmala UI"/>
+        <a:font script="Tale" typeface="Microsoft Tai Le"/>
+        <a:font script="Talu" typeface="Microsoft New Tai Lue"/>
+        <a:font script="Tfng" typeface="Ebrima"/>
+      </a:majorFont>
+      <a:minorFont>
+        <a:latin typeface="等线" panose="020F0502020204030204"/>
+        <a:ea typeface=""/>
+        <a:cs typeface=""/>
+        <a:font script="Jpan" typeface="游ゴシック"/>
+        <a:font script="Hang" typeface="맑은 고딕"/>
+        <a:font script="Hans" typeface="等线"/>
+        <a:font script="Hant" typeface="新細明體"/>
+        <a:font script="Arab" typeface="Arial"/>
+        <a:font script="Hebr" typeface="Arial"/>
+        <a:font script="Thai" typeface="Cordia New"/>
+        <a:font script="Ethi" typeface="Nyala"/>
+        <a:font script="Beng" typeface="Vrinda"/>
+        <a:font script="Gujr" typeface="Shruti"/>
+        <a:font script="Khmr" typeface="DaunPenh"/>
+        <a:font script="Knda" typeface="Tunga"/>
+        <a:font script="Guru" typeface="Raavi"/>
+        <a:font script="Cans" typeface="Euphemia"/>
+        <a:font script="Cher" typeface="Plantagenet Cherokee"/>
+        <a:font script="Yiii" typeface="Microsoft Yi Baiti"/>
+        <a:font script="Tibt" typeface="Microsoft Himalaya"/>
+        <a:font script="Thaa" typeface="MV Boli"/>
+        <a:font script="Deva" typeface="Mangal"/>
+        <a:font script="Telu" typeface="Gautami"/>
+        <a:font script="Taml" typeface="Latha"/>
+        <a:font script="Syrc" typeface="Estrangelo Edessa"/>
+        <a:font script="Orya" typeface="Kalinga"/>
+        <a:font script="Mlym" typeface="Kartika"/>
+        <a:font script="Laoo" typeface="DokChampa"/>
+        <a:font script="Sinh" typeface="Iskoola Pota"/>
+        <a:font script="Mong" typeface="Mongolian Baiti"/>
+        <a:font script="Viet" typeface="Arial"/>
+        <a:font script="Uigh" typeface="Microsoft Uighur"/>
+        <a:font script="Geor" typeface="Sylfaen"/>
+        <a:font script="Armn" typeface="Arial"/>
+        <a:font script="Bugi" typeface="Leelawadee UI"/>
+        <a:font script="Bopo" typeface="Microsoft JhengHei"/>
+        <a:font script="Java" typeface="Javanese Text"/>
+        <a:font script="Lisu" typeface="Segoe UI"/>
+        <a:font script="Mymr" typeface="Myanmar Text"/>
+        <a:font script="Nkoo" typeface="Ebrima"/>
+        <a:font script="Olck" typeface="Nirmala UI"/>
+        <a:font script="Osma" typeface="Ebrima"/>
+        <a:font script="Phag" typeface="Phagspa"/>
+        <a:font script="Syrn" typeface="Estrangelo Edessa"/>
+        <a:font script="Syrj" typeface="Estrangelo Edessa"/>
+        <a:font script="Syre" typeface="Estrangelo Edessa"/>
+        <a:font script="Sora" typeface="Nirmala UI"/>
+        <a:font script="Tale" typeface="Microsoft Tai Le"/>
+        <a:font script="Talu" typeface="Microsoft New Tai Lue"/>
+        <a:font script="Tfng" typeface="Ebrima"/>
+      </a:minorFont>
+    </a:fontScheme>
+    <a:fmtScheme name="Office">
+      <a:fillStyleLst>
+        <a:solidFill>
+          <a:schemeClr val="phClr"/>
+        </a:solidFill>
+        <a:gradFill rotWithShape="1">
+          <a:gsLst>
+            <a:gs pos="0">
+              <a:schemeClr val="phClr">
+                <a:lumMod val="110000"/>
+                <a:satMod val="105000"/>
+                <a:tint val="67000"/>
+              </a:schemeClr>
+            </a:gs>
+            <a:gs pos="50000">
+              <a:schemeClr val="phClr">
+                <a:lumMod val="105000"/>
+                <a:satMod val="103000"/>
+                <a:tint val="73000"/>
+              </a:schemeClr>
+            </a:gs>
+            <a:gs pos="100000">
+              <a:schemeClr val="phClr">
+                <a:lumMod val="105000"/>
+                <a:satMod val="109000"/>
+                <a:tint val="81000"/>
+              </a:schemeClr>
+            </a:gs>
+          </a:gsLst>
+          <a:lin ang="5400000" scaled="0"/>
+        </a:gradFill>
+        <a:gradFill rotWithShape="1">
+          <a:gsLst>
+            <a:gs pos="0">
+              <a:schemeClr val="phClr">
+                <a:satMod val="103000"/>
+                <a:lumMod val="102000"/>
+                <a:tint val="94000"/>
+              </a:schemeClr>
+            </a:gs>
+            <a:gs pos="50000">
+              <a:schemeClr val="phClr">
+                <a:satMod val="110000"/>
+                <a:lumMod val="100000"/>
+                <a:shade val="100000"/>
+              </a:schemeClr>
+            </a:gs>
+            <a:gs pos="100000">
+              <a:schemeClr val="phClr">
+                <a:lumMod val="99000"/>
+                <a:satMod val="120000"/>
+                <a:shade val="78000"/>
+              </a:schemeClr>
+            </a:gs>
+          </a:gsLst>
+          <a:lin ang="5400000" scaled="0"/>
+        </a:gradFill>
+      </a:fillStyleLst>
+      <a:lnStyleLst>
+        <a:ln w="6350" cap="flat" cmpd="sng" algn="ctr">
+          <a:solidFill>
+            <a:schemeClr val="phClr"/>
+          </a:solidFill>
+          <a:prstDash val="solid"/>
+          <a:miter lim="800000"/>
+        </a:ln>
+        <a:ln w="12700" cap="flat" cmpd="sng" algn="ctr">
+          <a:solidFill>
+            <a:schemeClr val="phClr"/>
+          </a:solidFill>
+          <a:prstDash val="solid"/>
+          <a:miter lim="800000"/>
+        </a:ln>
+        <a:ln w="19050" cap="flat" cmpd="sng" algn="ctr">
+          <a:solidFill>
+            <a:schemeClr val="phClr"/>
+          </a:solidFill>
+          <a:prstDash val="solid"/>
+          <a:miter lim="800000"/>
+        </a:ln>
+      </a:lnStyleLst>
+      <a:effectStyleLst>
+        <a:effectStyle>
+          <a:effectLst/>
+        </a:effectStyle>
+        <a:effectStyle>
+          <a:effectLst/>
+        </a:effectStyle>
+        <a:effectStyle>
+          <a:effectLst>
+            <a:outerShdw blurRad="57150" dist="19050" dir="5400000" algn="ctr" rotWithShape="0">
+              <a:srgbClr val="000000">
+                <a:alpha val="63000"/>
+              </a:srgbClr>
+            </a:outerShdw>
+          </a:effectLst>
+        </a:effectStyle>
+      </a:effectStyleLst>
+      <a:bgFillStyleLst>
+        <a:solidFill>
+          <a:schemeClr val="phClr"/>
+        </a:solidFill>
+        <a:solidFill>
+          <a:schemeClr val="phClr">
+            <a:tint val="95000"/>
+            <a:satMod val="170000"/>
+          </a:schemeClr>
+        </a:solidFill>
+        <a:gradFill rotWithShape="1">
+          <a:gsLst>
+            <a:gs pos="0">
+              <a:schemeClr val="phClr">
+                <a:tint val="93000"/>
+                <a:satMod val="150000"/>
+                <a:shade val="98000"/>
+                <a:lumMod val="102000"/>
+              </a:schemeClr>
+            </a:gs>
+            <a:gs pos="50000">
+              <a:schemeClr val="phClr">
+                <a:tint val="98000"/>
+                <a:satMod val="130000"/>
+                <a:shade val="90000"/>
+                <a:lumMod val="103000"/>
+              </a:schemeClr>
+            </a:gs>
+            <a:gs pos="100000">
+              <a:schemeClr val="phClr">
+                <a:shade val="63000"/>
+                <a:satMod val="120000"/>
+              </a:schemeClr>
+            </a:gs>
+          </a:gsLst>
+          <a:lin ang="5400000" scaled="0"/>
+        </a:gradFill>
+      </a:bgFillStyleLst>
+    </a:fmtScheme>
+  </a:themeElements>
+  <a:objectDefaults/>
+  <a:extraClrSchemeLst/>
+  <a:extLst>
+    <a:ext uri="{05A4C25C-085E-4340-85A3-A5531E510DB2}">
+      <thm15:themeFamily xmlns:thm15="http://schemas.microsoft.com/office/thememl/2012/main" name="Office Theme" id="{62F939B6-93AF-4DB8-9C6B-D6C7DFDC589F}" vid="{4A3C46E8-61CC-4603-A589-7422A47A8E4A}"/>
+    </a:ext>
+  </a:extLst>
+</a:theme>
 </file>